--- a/presentations/04 - Qualidade de código - Intro.pptx
+++ b/presentations/04 - Qualidade de código - Intro.pptx
@@ -230,7 +230,7 @@
             <a:fld id="{9DEF996C-CA2C-436E-A903-7F2E7C68ADF8}" type="datetimeFigureOut">
               <a:rPr lang="en-US" smtClean="0"/>
               <a:pPr/>
-              <a:t>7/7/2020</a:t>
+              <a:t>7/13/2020</a:t>
             </a:fld>
             <a:endParaRPr lang="en-US"/>
           </a:p>
@@ -397,7 +397,7 @@
             <a:fld id="{56D6514A-F4CA-40F5-B508-6CC5FEA6DD64}" type="datetimeFigureOut">
               <a:rPr lang="en-US" smtClean="0"/>
               <a:pPr/>
-              <a:t>7/7/2020</a:t>
+              <a:t>7/13/2020</a:t>
             </a:fld>
             <a:endParaRPr lang="en-US"/>
           </a:p>
@@ -857,7 +857,7 @@
           <a:p>
             <a:fld id="{0A0255A0-EE2B-6E49-A611-C16850102233}" type="datetimeFigureOut">
               <a:rPr lang="en-US" smtClean="0"/>
-              <a:t>7/7/2020</a:t>
+              <a:t>7/13/2020</a:t>
             </a:fld>
             <a:endParaRPr lang="en-US"/>
           </a:p>
@@ -1051,7 +1051,7 @@
           <a:p>
             <a:fld id="{0A0255A0-EE2B-6E49-A611-C16850102233}" type="datetimeFigureOut">
               <a:rPr lang="en-US" smtClean="0"/>
-              <a:t>7/7/2020</a:t>
+              <a:t>7/13/2020</a:t>
             </a:fld>
             <a:endParaRPr lang="en-US"/>
           </a:p>
@@ -1255,7 +1255,7 @@
           <a:p>
             <a:fld id="{0A0255A0-EE2B-6E49-A611-C16850102233}" type="datetimeFigureOut">
               <a:rPr lang="en-US" smtClean="0"/>
-              <a:t>7/7/2020</a:t>
+              <a:t>7/13/2020</a:t>
             </a:fld>
             <a:endParaRPr lang="en-US"/>
           </a:p>
@@ -3261,7 +3261,7 @@
           <a:p>
             <a:fld id="{0A0255A0-EE2B-6E49-A611-C16850102233}" type="datetimeFigureOut">
               <a:rPr lang="en-US" smtClean="0"/>
-              <a:t>7/7/2020</a:t>
+              <a:t>7/13/2020</a:t>
             </a:fld>
             <a:endParaRPr lang="en-US"/>
           </a:p>
@@ -3531,7 +3531,7 @@
           <a:p>
             <a:fld id="{0A0255A0-EE2B-6E49-A611-C16850102233}" type="datetimeFigureOut">
               <a:rPr lang="en-US" smtClean="0"/>
-              <a:t>7/7/2020</a:t>
+              <a:t>7/13/2020</a:t>
             </a:fld>
             <a:endParaRPr lang="en-US"/>
           </a:p>
@@ -3843,7 +3843,7 @@
           <a:p>
             <a:fld id="{0A0255A0-EE2B-6E49-A611-C16850102233}" type="datetimeFigureOut">
               <a:rPr lang="en-US" smtClean="0"/>
-              <a:t>7/7/2020</a:t>
+              <a:t>7/13/2020</a:t>
             </a:fld>
             <a:endParaRPr lang="en-US"/>
           </a:p>
@@ -4289,7 +4289,7 @@
           <a:p>
             <a:fld id="{0A0255A0-EE2B-6E49-A611-C16850102233}" type="datetimeFigureOut">
               <a:rPr lang="en-US" smtClean="0"/>
-              <a:t>7/7/2020</a:t>
+              <a:t>7/13/2020</a:t>
             </a:fld>
             <a:endParaRPr lang="en-US"/>
           </a:p>
@@ -4431,7 +4431,7 @@
           <a:p>
             <a:fld id="{0A0255A0-EE2B-6E49-A611-C16850102233}" type="datetimeFigureOut">
               <a:rPr lang="en-US" smtClean="0"/>
-              <a:t>7/7/2020</a:t>
+              <a:t>7/13/2020</a:t>
             </a:fld>
             <a:endParaRPr lang="en-US"/>
           </a:p>
@@ -4550,7 +4550,7 @@
           <a:p>
             <a:fld id="{0A0255A0-EE2B-6E49-A611-C16850102233}" type="datetimeFigureOut">
               <a:rPr lang="en-US" smtClean="0"/>
-              <a:t>7/7/2020</a:t>
+              <a:t>7/13/2020</a:t>
             </a:fld>
             <a:endParaRPr lang="en-US"/>
           </a:p>
@@ -4851,7 +4851,7 @@
           <a:p>
             <a:fld id="{0A0255A0-EE2B-6E49-A611-C16850102233}" type="datetimeFigureOut">
               <a:rPr lang="en-US" smtClean="0"/>
-              <a:t>7/7/2020</a:t>
+              <a:t>7/13/2020</a:t>
             </a:fld>
             <a:endParaRPr lang="en-US"/>
           </a:p>
@@ -5128,7 +5128,7 @@
           <a:p>
             <a:fld id="{0A0255A0-EE2B-6E49-A611-C16850102233}" type="datetimeFigureOut">
               <a:rPr lang="en-US" smtClean="0"/>
-              <a:t>7/7/2020</a:t>
+              <a:t>7/13/2020</a:t>
             </a:fld>
             <a:endParaRPr lang="en-US"/>
           </a:p>
@@ -6548,23 +6548,7 @@
                 <a:latin typeface="Segoe UI" panose="020B0502040204020203" pitchFamily="34" charset="0"/>
                 <a:cs typeface="Segoe UI" panose="020B0502040204020203" pitchFamily="34" charset="0"/>
               </a:rPr>
-              <a:t>prestador-paulo.kolbe@b3.com.br/</a:t>
-            </a:r>
-            <a:br>
-              <a:rPr lang="pt-BR" sz="2000" dirty="0">
-                <a:latin typeface="Segoe UI" panose="020B0502040204020203" pitchFamily="34" charset="0"/>
-                <a:cs typeface="Segoe UI" panose="020B0502040204020203" pitchFamily="34" charset="0"/>
-              </a:rPr>
-            </a:br>
-            <a:r>
-              <a:rPr lang="pt-BR" sz="2000" dirty="0">
-                <a:solidFill>
-                  <a:schemeClr val="accent1"/>
-                </a:solidFill>
-                <a:latin typeface="Segoe UI" panose="020B0502040204020203" pitchFamily="34" charset="0"/>
-                <a:cs typeface="Segoe UI" panose="020B0502040204020203" pitchFamily="34" charset="0"/>
-              </a:rPr>
-              <a:t>paulo.kolbe@gft.com</a:t>
+              <a:t>lace@b3.com.br</a:t>
             </a:r>
           </a:p>
         </p:txBody>
@@ -8710,21 +8694,21 @@
 </file>
 
 <file path=customXml/item1.xml><?xml version="1.0" encoding="utf-8"?>
+<p:properties xmlns:p="http://schemas.microsoft.com/office/2006/metadata/properties" xmlns:xsi="http://www.w3.org/2001/XMLSchema-instance" xmlns:pc="http://schemas.microsoft.com/office/infopath/2007/PartnerControls">
+  <documentManagement>
+    <PublishingExpirationDate xmlns="http://schemas.microsoft.com/sharepoint/v3" xsi:nil="true"/>
+    <PublishingStartDate xmlns="http://schemas.microsoft.com/sharepoint/v3" xsi:nil="true"/>
+  </documentManagement>
+</p:properties>
+</file>
+
+<file path=customXml/item2.xml><?xml version="1.0" encoding="utf-8"?>
 <?mso-contentType ?>
 <FormTemplates xmlns="http://schemas.microsoft.com/sharepoint/v3/contenttype/forms">
   <Display>DocumentLibraryForm</Display>
   <Edit>DocumentLibraryForm</Edit>
   <New>DocumentLibraryForm</New>
 </FormTemplates>
-</file>
-
-<file path=customXml/item2.xml><?xml version="1.0" encoding="utf-8"?>
-<p:properties xmlns:p="http://schemas.microsoft.com/office/2006/metadata/properties" xmlns:xsi="http://www.w3.org/2001/XMLSchema-instance" xmlns:pc="http://schemas.microsoft.com/office/infopath/2007/PartnerControls">
-  <documentManagement>
-    <PublishingExpirationDate xmlns="http://schemas.microsoft.com/sharepoint/v3" xsi:nil="true"/>
-    <PublishingStartDate xmlns="http://schemas.microsoft.com/sharepoint/v3" xsi:nil="true"/>
-  </documentManagement>
-</p:properties>
 </file>
 
 <file path=customXml/item3.xml><?xml version="1.0" encoding="utf-8"?>
@@ -8942,19 +8926,19 @@
 </file>
 
 <file path=customXml/itemProps1.xml><?xml version="1.0" encoding="utf-8"?>
-<ds:datastoreItem xmlns:ds="http://schemas.openxmlformats.org/officeDocument/2006/customXml" ds:itemID="{98DACE87-CD74-4C35-ADF8-12B4276F2F66}">
+<ds:datastoreItem xmlns:ds="http://schemas.openxmlformats.org/officeDocument/2006/customXml" ds:itemID="{BEF3FD83-2601-46A9-AA9B-655B326F1C5E}">
   <ds:schemaRefs>
-    <ds:schemaRef ds:uri="http://schemas.microsoft.com/sharepoint/v3/contenttype/forms"/>
+    <ds:schemaRef ds:uri="http://schemas.microsoft.com/office/2006/metadata/properties"/>
+    <ds:schemaRef ds:uri="http://schemas.microsoft.com/office/infopath/2007/PartnerControls"/>
+    <ds:schemaRef ds:uri="http://schemas.microsoft.com/sharepoint/v3"/>
   </ds:schemaRefs>
 </ds:datastoreItem>
 </file>
 
 <file path=customXml/itemProps2.xml><?xml version="1.0" encoding="utf-8"?>
-<ds:datastoreItem xmlns:ds="http://schemas.openxmlformats.org/officeDocument/2006/customXml" ds:itemID="{BEF3FD83-2601-46A9-AA9B-655B326F1C5E}">
+<ds:datastoreItem xmlns:ds="http://schemas.openxmlformats.org/officeDocument/2006/customXml" ds:itemID="{98DACE87-CD74-4C35-ADF8-12B4276F2F66}">
   <ds:schemaRefs>
-    <ds:schemaRef ds:uri="http://schemas.microsoft.com/office/2006/metadata/properties"/>
-    <ds:schemaRef ds:uri="http://schemas.microsoft.com/office/infopath/2007/PartnerControls"/>
-    <ds:schemaRef ds:uri="http://schemas.microsoft.com/sharepoint/v3"/>
+    <ds:schemaRef ds:uri="http://schemas.microsoft.com/sharepoint/v3/contenttype/forms"/>
   </ds:schemaRefs>
 </ds:datastoreItem>
 </file>
